--- a/img/amministrazione/gif.frames.pptx
+++ b/img/amministrazione/gif.frames.pptx
@@ -7,6 +7,8 @@
   <p:sldIdLst>
     <p:sldId id="258" r:id="rId2"/>
     <p:sldId id="259" r:id="rId3"/>
+    <p:sldId id="260" r:id="rId4"/>
+    <p:sldId id="261" r:id="rId5"/>
   </p:sldIdLst>
   <p:sldSz cx="12192000" cy="6858000"/>
   <p:notesSz cx="6858000" cy="9144000"/>
@@ -244,7 +246,7 @@
           <a:p>
             <a:fld id="{C764DE79-268F-4C1A-8933-263129D2AF90}" type="datetimeFigureOut">
               <a:rPr lang="en-US" smtClean="0"/>
-              <a:t>18/10/17</a:t>
+              <a:t>13/01/18</a:t>
             </a:fld>
             <a:endParaRPr lang="en-US" dirty="0"/>
           </a:p>
@@ -414,7 +416,7 @@
           <a:p>
             <a:fld id="{C764DE79-268F-4C1A-8933-263129D2AF90}" type="datetimeFigureOut">
               <a:rPr lang="en-US" smtClean="0"/>
-              <a:t>18/10/17</a:t>
+              <a:t>13/01/18</a:t>
             </a:fld>
             <a:endParaRPr lang="en-US" dirty="0"/>
           </a:p>
@@ -594,7 +596,7 @@
           <a:p>
             <a:fld id="{C764DE79-268F-4C1A-8933-263129D2AF90}" type="datetimeFigureOut">
               <a:rPr lang="en-US" smtClean="0"/>
-              <a:t>18/10/17</a:t>
+              <a:t>13/01/18</a:t>
             </a:fld>
             <a:endParaRPr lang="en-US" dirty="0"/>
           </a:p>
@@ -870,7 +872,7 @@
           <a:p>
             <a:fld id="{C764DE79-268F-4C1A-8933-263129D2AF90}" type="datetimeFigureOut">
               <a:rPr lang="en-US" smtClean="0"/>
-              <a:t>18/10/17</a:t>
+              <a:t>13/01/18</a:t>
             </a:fld>
             <a:endParaRPr lang="en-US" dirty="0"/>
           </a:p>
@@ -1102,7 +1104,7 @@
           <a:p>
             <a:fld id="{C764DE79-268F-4C1A-8933-263129D2AF90}" type="datetimeFigureOut">
               <a:rPr lang="en-US" smtClean="0"/>
-              <a:t>18/10/17</a:t>
+              <a:t>13/01/18</a:t>
             </a:fld>
             <a:endParaRPr lang="en-US" dirty="0"/>
           </a:p>
@@ -1469,7 +1471,7 @@
           <a:p>
             <a:fld id="{C764DE79-268F-4C1A-8933-263129D2AF90}" type="datetimeFigureOut">
               <a:rPr lang="en-US" smtClean="0"/>
-              <a:t>18/10/17</a:t>
+              <a:t>13/01/18</a:t>
             </a:fld>
             <a:endParaRPr lang="en-US" dirty="0"/>
           </a:p>
@@ -1587,7 +1589,7 @@
           <a:p>
             <a:fld id="{C764DE79-268F-4C1A-8933-263129D2AF90}" type="datetimeFigureOut">
               <a:rPr lang="en-US" smtClean="0"/>
-              <a:t>18/10/17</a:t>
+              <a:t>13/01/18</a:t>
             </a:fld>
             <a:endParaRPr lang="en-US" dirty="0"/>
           </a:p>
@@ -1682,7 +1684,7 @@
           <a:p>
             <a:fld id="{C764DE79-268F-4C1A-8933-263129D2AF90}" type="datetimeFigureOut">
               <a:rPr lang="en-US" smtClean="0"/>
-              <a:t>18/10/17</a:t>
+              <a:t>13/01/18</a:t>
             </a:fld>
             <a:endParaRPr lang="en-US" dirty="0"/>
           </a:p>
@@ -1959,7 +1961,7 @@
           <a:p>
             <a:fld id="{C764DE79-268F-4C1A-8933-263129D2AF90}" type="datetimeFigureOut">
               <a:rPr lang="en-US" smtClean="0"/>
-              <a:t>18/10/17</a:t>
+              <a:t>13/01/18</a:t>
             </a:fld>
             <a:endParaRPr lang="en-US" dirty="0"/>
           </a:p>
@@ -2216,7 +2218,7 @@
           <a:p>
             <a:fld id="{C764DE79-268F-4C1A-8933-263129D2AF90}" type="datetimeFigureOut">
               <a:rPr lang="en-US" smtClean="0"/>
-              <a:t>18/10/17</a:t>
+              <a:t>13/01/18</a:t>
             </a:fld>
             <a:endParaRPr lang="en-US" dirty="0"/>
           </a:p>
@@ -2432,7 +2434,7 @@
           <a:p>
             <a:fld id="{C764DE79-268F-4C1A-8933-263129D2AF90}" type="datetimeFigureOut">
               <a:rPr lang="en-US" smtClean="0"/>
-              <a:t>18/10/17</a:t>
+              <a:t>13/01/18</a:t>
             </a:fld>
             <a:endParaRPr lang="en-US" dirty="0"/>
           </a:p>
@@ -3150,6 +3152,456 @@
 </p:sld>
 </file>
 
+<file path=ppt/slides/slide3.xml><?xml version="1.0" encoding="utf-8"?>
+<p:sld xmlns:a="http://schemas.openxmlformats.org/drawingml/2006/main" xmlns:r="http://schemas.openxmlformats.org/officeDocument/2006/relationships" xmlns:p="http://schemas.openxmlformats.org/presentationml/2006/main">
+  <p:cSld>
+    <p:spTree>
+      <p:nvGrpSpPr>
+        <p:cNvPr id="1" name=""/>
+        <p:cNvGrpSpPr/>
+        <p:nvPr/>
+      </p:nvGrpSpPr>
+      <p:grpSpPr>
+        <a:xfrm>
+          <a:off x="0" y="0"/>
+          <a:ext cx="0" cy="0"/>
+          <a:chOff x="0" y="0"/>
+          <a:chExt cx="0" cy="0"/>
+        </a:xfrm>
+      </p:grpSpPr>
+      <p:pic>
+        <p:nvPicPr>
+          <p:cNvPr id="2" name="Immagine 1" descr="iphone.silver.png"/>
+          <p:cNvPicPr>
+            <a:picLocks noChangeAspect="1"/>
+          </p:cNvPicPr>
+          <p:nvPr/>
+        </p:nvPicPr>
+        <p:blipFill>
+          <a:blip r:embed="rId2">
+            <a:extLst>
+              <a:ext uri="{28A0092B-C50C-407E-A947-70E740481C1C}">
+                <a14:useLocalDpi xmlns:a14="http://schemas.microsoft.com/office/drawing/2010/main" val="0"/>
+              </a:ext>
+            </a:extLst>
+          </a:blip>
+          <a:stretch>
+            <a:fillRect/>
+          </a:stretch>
+        </p:blipFill>
+        <p:spPr>
+          <a:xfrm>
+            <a:off x="0" y="0"/>
+            <a:ext cx="3423118" cy="6858000"/>
+          </a:xfrm>
+          <a:prstGeom prst="rect">
+            <a:avLst/>
+          </a:prstGeom>
+        </p:spPr>
+      </p:pic>
+      <p:pic>
+        <p:nvPicPr>
+          <p:cNvPr id="7" name="Immagine 6" descr="iphone.silver.png"/>
+          <p:cNvPicPr>
+            <a:picLocks noChangeAspect="1"/>
+          </p:cNvPicPr>
+          <p:nvPr/>
+        </p:nvPicPr>
+        <p:blipFill>
+          <a:blip r:embed="rId2">
+            <a:extLst>
+              <a:ext uri="{28A0092B-C50C-407E-A947-70E740481C1C}">
+                <a14:useLocalDpi xmlns:a14="http://schemas.microsoft.com/office/drawing/2010/main" val="0"/>
+              </a:ext>
+            </a:extLst>
+          </a:blip>
+          <a:stretch>
+            <a:fillRect/>
+          </a:stretch>
+        </p:blipFill>
+        <p:spPr>
+          <a:xfrm>
+            <a:off x="3894015" y="0"/>
+            <a:ext cx="3423118" cy="6858000"/>
+          </a:xfrm>
+          <a:prstGeom prst="rect">
+            <a:avLst/>
+          </a:prstGeom>
+        </p:spPr>
+      </p:pic>
+      <p:pic>
+        <p:nvPicPr>
+          <p:cNvPr id="8" name="Immagine 7" descr="iphone.silver.png"/>
+          <p:cNvPicPr>
+            <a:picLocks noChangeAspect="1"/>
+          </p:cNvPicPr>
+          <p:nvPr/>
+        </p:nvPicPr>
+        <p:blipFill>
+          <a:blip r:embed="rId2">
+            <a:extLst>
+              <a:ext uri="{28A0092B-C50C-407E-A947-70E740481C1C}">
+                <a14:useLocalDpi xmlns:a14="http://schemas.microsoft.com/office/drawing/2010/main" val="0"/>
+              </a:ext>
+            </a:extLst>
+          </a:blip>
+          <a:stretch>
+            <a:fillRect/>
+          </a:stretch>
+        </p:blipFill>
+        <p:spPr>
+          <a:xfrm>
+            <a:off x="7514492" y="0"/>
+            <a:ext cx="3423118" cy="6858000"/>
+          </a:xfrm>
+          <a:prstGeom prst="rect">
+            <a:avLst/>
+          </a:prstGeom>
+        </p:spPr>
+      </p:pic>
+      <p:pic>
+        <p:nvPicPr>
+          <p:cNvPr id="4" name="Immagine 3" descr="eventi.png"/>
+          <p:cNvPicPr>
+            <a:picLocks noChangeAspect="1"/>
+          </p:cNvPicPr>
+          <p:nvPr/>
+        </p:nvPicPr>
+        <p:blipFill>
+          <a:blip r:embed="rId3">
+            <a:extLst>
+              <a:ext uri="{28A0092B-C50C-407E-A947-70E740481C1C}">
+                <a14:useLocalDpi xmlns:a14="http://schemas.microsoft.com/office/drawing/2010/main" val="0"/>
+              </a:ext>
+            </a:extLst>
+          </a:blip>
+          <a:stretch>
+            <a:fillRect/>
+          </a:stretch>
+        </p:blipFill>
+        <p:spPr>
+          <a:xfrm>
+            <a:off x="305551" y="930640"/>
+            <a:ext cx="2788474" cy="4959767"/>
+          </a:xfrm>
+          <a:prstGeom prst="rect">
+            <a:avLst/>
+          </a:prstGeom>
+        </p:spPr>
+      </p:pic>
+      <p:pic>
+        <p:nvPicPr>
+          <p:cNvPr id="6" name="Immagine 5" descr="raccolta.guida.png"/>
+          <p:cNvPicPr>
+            <a:picLocks noChangeAspect="1"/>
+          </p:cNvPicPr>
+          <p:nvPr/>
+        </p:nvPicPr>
+        <p:blipFill>
+          <a:blip r:embed="rId4">
+            <a:extLst>
+              <a:ext uri="{28A0092B-C50C-407E-A947-70E740481C1C}">
+                <a14:useLocalDpi xmlns:a14="http://schemas.microsoft.com/office/drawing/2010/main" val="0"/>
+              </a:ext>
+            </a:extLst>
+          </a:blip>
+          <a:stretch>
+            <a:fillRect/>
+          </a:stretch>
+        </p:blipFill>
+        <p:spPr>
+          <a:xfrm>
+            <a:off x="4213997" y="941589"/>
+            <a:ext cx="2757696" cy="4970716"/>
+          </a:xfrm>
+          <a:prstGeom prst="rect">
+            <a:avLst/>
+          </a:prstGeom>
+        </p:spPr>
+      </p:pic>
+      <p:pic>
+        <p:nvPicPr>
+          <p:cNvPr id="10" name="Immagine 9" descr="raccolta.guida.plastica.png"/>
+          <p:cNvPicPr>
+            <a:picLocks noChangeAspect="1"/>
+          </p:cNvPicPr>
+          <p:nvPr/>
+        </p:nvPicPr>
+        <p:blipFill>
+          <a:blip r:embed="rId5">
+            <a:extLst>
+              <a:ext uri="{28A0092B-C50C-407E-A947-70E740481C1C}">
+                <a14:useLocalDpi xmlns:a14="http://schemas.microsoft.com/office/drawing/2010/main" val="0"/>
+              </a:ext>
+            </a:extLst>
+          </a:blip>
+          <a:stretch>
+            <a:fillRect/>
+          </a:stretch>
+        </p:blipFill>
+        <p:spPr>
+          <a:xfrm>
+            <a:off x="7825453" y="930638"/>
+            <a:ext cx="2772240" cy="4970717"/>
+          </a:xfrm>
+          <a:prstGeom prst="rect">
+            <a:avLst/>
+          </a:prstGeom>
+        </p:spPr>
+      </p:pic>
+    </p:spTree>
+    <p:extLst>
+      <p:ext uri="{BB962C8B-B14F-4D97-AF65-F5344CB8AC3E}">
+        <p14:creationId xmlns:p14="http://schemas.microsoft.com/office/powerpoint/2010/main" val="1559165563"/>
+      </p:ext>
+    </p:extLst>
+  </p:cSld>
+  <p:clrMapOvr>
+    <a:masterClrMapping/>
+  </p:clrMapOvr>
+  <mc:AlternateContent xmlns:mc="http://schemas.openxmlformats.org/markup-compatibility/2006" xmlns:p14="http://schemas.microsoft.com/office/powerpoint/2010/main">
+    <mc:Choice Requires="p14">
+      <p:transition p14:dur="0" advTm="3389"/>
+    </mc:Choice>
+    <mc:Fallback xmlns="">
+      <p:transition xmlns:p14="http://schemas.microsoft.com/office/powerpoint/2010/main" advTm="3389"/>
+    </mc:Fallback>
+  </mc:AlternateContent>
+  <p:timing>
+    <p:tnLst>
+      <p:par>
+        <p:cTn xmlns:p14="http://schemas.microsoft.com/office/powerpoint/2010/main" id="1" dur="indefinite" restart="never" nodeType="tmRoot"/>
+      </p:par>
+    </p:tnLst>
+  </p:timing>
+</p:sld>
+</file>
+
+<file path=ppt/slides/slide4.xml><?xml version="1.0" encoding="utf-8"?>
+<p:sld xmlns:a="http://schemas.openxmlformats.org/drawingml/2006/main" xmlns:r="http://schemas.openxmlformats.org/officeDocument/2006/relationships" xmlns:p="http://schemas.openxmlformats.org/presentationml/2006/main">
+  <p:cSld>
+    <p:spTree>
+      <p:nvGrpSpPr>
+        <p:cNvPr id="1" name=""/>
+        <p:cNvGrpSpPr/>
+        <p:nvPr/>
+      </p:nvGrpSpPr>
+      <p:grpSpPr>
+        <a:xfrm>
+          <a:off x="0" y="0"/>
+          <a:ext cx="0" cy="0"/>
+          <a:chOff x="0" y="0"/>
+          <a:chExt cx="0" cy="0"/>
+        </a:xfrm>
+      </p:grpSpPr>
+      <p:pic>
+        <p:nvPicPr>
+          <p:cNvPr id="2" name="Immagine 1" descr="iphone.silver.png"/>
+          <p:cNvPicPr>
+            <a:picLocks noChangeAspect="1"/>
+          </p:cNvPicPr>
+          <p:nvPr/>
+        </p:nvPicPr>
+        <p:blipFill>
+          <a:blip r:embed="rId2">
+            <a:extLst>
+              <a:ext uri="{28A0092B-C50C-407E-A947-70E740481C1C}">
+                <a14:useLocalDpi xmlns:a14="http://schemas.microsoft.com/office/drawing/2010/main" val="0"/>
+              </a:ext>
+            </a:extLst>
+          </a:blip>
+          <a:stretch>
+            <a:fillRect/>
+          </a:stretch>
+        </p:blipFill>
+        <p:spPr>
+          <a:xfrm>
+            <a:off x="0" y="0"/>
+            <a:ext cx="3423118" cy="6858000"/>
+          </a:xfrm>
+          <a:prstGeom prst="rect">
+            <a:avLst/>
+          </a:prstGeom>
+        </p:spPr>
+      </p:pic>
+      <p:pic>
+        <p:nvPicPr>
+          <p:cNvPr id="7" name="Immagine 6" descr="iphone.silver.png"/>
+          <p:cNvPicPr>
+            <a:picLocks noChangeAspect="1"/>
+          </p:cNvPicPr>
+          <p:nvPr/>
+        </p:nvPicPr>
+        <p:blipFill>
+          <a:blip r:embed="rId2">
+            <a:extLst>
+              <a:ext uri="{28A0092B-C50C-407E-A947-70E740481C1C}">
+                <a14:useLocalDpi xmlns:a14="http://schemas.microsoft.com/office/drawing/2010/main" val="0"/>
+              </a:ext>
+            </a:extLst>
+          </a:blip>
+          <a:stretch>
+            <a:fillRect/>
+          </a:stretch>
+        </p:blipFill>
+        <p:spPr>
+          <a:xfrm>
+            <a:off x="3894015" y="0"/>
+            <a:ext cx="3423118" cy="6858000"/>
+          </a:xfrm>
+          <a:prstGeom prst="rect">
+            <a:avLst/>
+          </a:prstGeom>
+        </p:spPr>
+      </p:pic>
+      <p:pic>
+        <p:nvPicPr>
+          <p:cNvPr id="8" name="Immagine 7" descr="iphone.silver.png"/>
+          <p:cNvPicPr>
+            <a:picLocks noChangeAspect="1"/>
+          </p:cNvPicPr>
+          <p:nvPr/>
+        </p:nvPicPr>
+        <p:blipFill>
+          <a:blip r:embed="rId2">
+            <a:extLst>
+              <a:ext uri="{28A0092B-C50C-407E-A947-70E740481C1C}">
+                <a14:useLocalDpi xmlns:a14="http://schemas.microsoft.com/office/drawing/2010/main" val="0"/>
+              </a:ext>
+            </a:extLst>
+          </a:blip>
+          <a:stretch>
+            <a:fillRect/>
+          </a:stretch>
+        </p:blipFill>
+        <p:spPr>
+          <a:xfrm>
+            <a:off x="7514492" y="0"/>
+            <a:ext cx="3423118" cy="6858000"/>
+          </a:xfrm>
+          <a:prstGeom prst="rect">
+            <a:avLst/>
+          </a:prstGeom>
+        </p:spPr>
+      </p:pic>
+      <p:pic>
+        <p:nvPicPr>
+          <p:cNvPr id="3" name="Immagine 2" descr="differenziata.plastica.png"/>
+          <p:cNvPicPr>
+            <a:picLocks noChangeAspect="1"/>
+          </p:cNvPicPr>
+          <p:nvPr/>
+        </p:nvPicPr>
+        <p:blipFill>
+          <a:blip r:embed="rId3">
+            <a:extLst>
+              <a:ext uri="{28A0092B-C50C-407E-A947-70E740481C1C}">
+                <a14:useLocalDpi xmlns:a14="http://schemas.microsoft.com/office/drawing/2010/main" val="0"/>
+              </a:ext>
+            </a:extLst>
+          </a:blip>
+          <a:stretch>
+            <a:fillRect/>
+          </a:stretch>
+        </p:blipFill>
+        <p:spPr>
+          <a:xfrm>
+            <a:off x="316498" y="919691"/>
+            <a:ext cx="2770846" cy="4981665"/>
+          </a:xfrm>
+          <a:prstGeom prst="rect">
+            <a:avLst/>
+          </a:prstGeom>
+        </p:spPr>
+      </p:pic>
+      <p:pic>
+        <p:nvPicPr>
+          <p:cNvPr id="5" name="Immagine 4" descr="differenziata.calendario.raccolte.png"/>
+          <p:cNvPicPr>
+            <a:picLocks noChangeAspect="1"/>
+          </p:cNvPicPr>
+          <p:nvPr/>
+        </p:nvPicPr>
+        <p:blipFill>
+          <a:blip r:embed="rId4">
+            <a:extLst>
+              <a:ext uri="{28A0092B-C50C-407E-A947-70E740481C1C}">
+                <a14:useLocalDpi xmlns:a14="http://schemas.microsoft.com/office/drawing/2010/main" val="0"/>
+              </a:ext>
+            </a:extLst>
+          </a:blip>
+          <a:stretch>
+            <a:fillRect/>
+          </a:stretch>
+        </p:blipFill>
+        <p:spPr>
+          <a:xfrm>
+            <a:off x="4213998" y="930640"/>
+            <a:ext cx="2763852" cy="4970715"/>
+          </a:xfrm>
+          <a:prstGeom prst="rect">
+            <a:avLst/>
+          </a:prstGeom>
+        </p:spPr>
+      </p:pic>
+      <p:pic>
+        <p:nvPicPr>
+          <p:cNvPr id="9" name="Immagine 8" descr="differenziata.calendario.gestione.png"/>
+          <p:cNvPicPr>
+            <a:picLocks noChangeAspect="1"/>
+          </p:cNvPicPr>
+          <p:nvPr/>
+        </p:nvPicPr>
+        <p:blipFill>
+          <a:blip r:embed="rId5">
+            <a:extLst>
+              <a:ext uri="{28A0092B-C50C-407E-A947-70E740481C1C}">
+                <a14:useLocalDpi xmlns:a14="http://schemas.microsoft.com/office/drawing/2010/main" val="0"/>
+              </a:ext>
+            </a:extLst>
+          </a:blip>
+          <a:stretch>
+            <a:fillRect/>
+          </a:stretch>
+        </p:blipFill>
+        <p:spPr>
+          <a:xfrm>
+            <a:off x="7833189" y="930640"/>
+            <a:ext cx="2764504" cy="4970716"/>
+          </a:xfrm>
+          <a:prstGeom prst="rect">
+            <a:avLst/>
+          </a:prstGeom>
+        </p:spPr>
+      </p:pic>
+    </p:spTree>
+    <p:extLst>
+      <p:ext uri="{BB962C8B-B14F-4D97-AF65-F5344CB8AC3E}">
+        <p14:creationId xmlns:p14="http://schemas.microsoft.com/office/powerpoint/2010/main" val="367719319"/>
+      </p:ext>
+    </p:extLst>
+  </p:cSld>
+  <p:clrMapOvr>
+    <a:masterClrMapping/>
+  </p:clrMapOvr>
+  <mc:AlternateContent xmlns:mc="http://schemas.openxmlformats.org/markup-compatibility/2006" xmlns:p14="http://schemas.microsoft.com/office/powerpoint/2010/main">
+    <mc:Choice Requires="p14">
+      <p:transition p14:dur="0" advTm="3389"/>
+    </mc:Choice>
+    <mc:Fallback xmlns="">
+      <p:transition xmlns:p14="http://schemas.microsoft.com/office/powerpoint/2010/main" advTm="3389"/>
+    </mc:Fallback>
+  </mc:AlternateContent>
+  <p:timing>
+    <p:tnLst>
+      <p:par>
+        <p:cTn xmlns:p14="http://schemas.microsoft.com/office/powerpoint/2010/main" id="1" dur="indefinite" restart="never" nodeType="tmRoot"/>
+      </p:par>
+    </p:tnLst>
+  </p:timing>
+</p:sld>
+</file>
+
 <file path=ppt/theme/theme1.xml><?xml version="1.0" encoding="utf-8"?>
 <a:theme xmlns:a="http://schemas.openxmlformats.org/drawingml/2006/main" name="Office Theme">
   <a:themeElements>

--- a/img/amministrazione/gif.frames.pptx
+++ b/img/amministrazione/gif.frames.pptx
@@ -9,6 +9,7 @@
     <p:sldId id="259" r:id="rId3"/>
     <p:sldId id="260" r:id="rId4"/>
     <p:sldId id="261" r:id="rId5"/>
+    <p:sldId id="262" r:id="rId6"/>
   </p:sldIdLst>
   <p:sldSz cx="12192000" cy="6858000"/>
   <p:notesSz cx="6858000" cy="9144000"/>
@@ -109,7 +110,7 @@
   </p:defaultTextStyle>
   <p:extLst>
     <p:ext uri="{EFAFB233-063F-42B5-8137-9DF3F51BA10A}">
-      <p15:sldGuideLst xmlns:p15="http://schemas.microsoft.com/office/powerpoint/2012/main" xmlns=""/>
+      <p15:sldGuideLst xmlns="" xmlns:p15="http://schemas.microsoft.com/office/powerpoint/2012/main"/>
     </p:ext>
   </p:extLst>
 </p:presentation>
@@ -246,7 +247,7 @@
           <a:p>
             <a:fld id="{C764DE79-268F-4C1A-8933-263129D2AF90}" type="datetimeFigureOut">
               <a:rPr lang="en-US" smtClean="0"/>
-              <a:t>13/01/18</a:t>
+              <a:t>17/01/18</a:t>
             </a:fld>
             <a:endParaRPr lang="en-US" dirty="0"/>
           </a:p>
@@ -416,7 +417,7 @@
           <a:p>
             <a:fld id="{C764DE79-268F-4C1A-8933-263129D2AF90}" type="datetimeFigureOut">
               <a:rPr lang="en-US" smtClean="0"/>
-              <a:t>13/01/18</a:t>
+              <a:t>17/01/18</a:t>
             </a:fld>
             <a:endParaRPr lang="en-US" dirty="0"/>
           </a:p>
@@ -596,7 +597,7 @@
           <a:p>
             <a:fld id="{C764DE79-268F-4C1A-8933-263129D2AF90}" type="datetimeFigureOut">
               <a:rPr lang="en-US" smtClean="0"/>
-              <a:t>13/01/18</a:t>
+              <a:t>17/01/18</a:t>
             </a:fld>
             <a:endParaRPr lang="en-US" dirty="0"/>
           </a:p>
@@ -872,7 +873,7 @@
           <a:p>
             <a:fld id="{C764DE79-268F-4C1A-8933-263129D2AF90}" type="datetimeFigureOut">
               <a:rPr lang="en-US" smtClean="0"/>
-              <a:t>13/01/18</a:t>
+              <a:t>17/01/18</a:t>
             </a:fld>
             <a:endParaRPr lang="en-US" dirty="0"/>
           </a:p>
@@ -1104,7 +1105,7 @@
           <a:p>
             <a:fld id="{C764DE79-268F-4C1A-8933-263129D2AF90}" type="datetimeFigureOut">
               <a:rPr lang="en-US" smtClean="0"/>
-              <a:t>13/01/18</a:t>
+              <a:t>17/01/18</a:t>
             </a:fld>
             <a:endParaRPr lang="en-US" dirty="0"/>
           </a:p>
@@ -1471,7 +1472,7 @@
           <a:p>
             <a:fld id="{C764DE79-268F-4C1A-8933-263129D2AF90}" type="datetimeFigureOut">
               <a:rPr lang="en-US" smtClean="0"/>
-              <a:t>13/01/18</a:t>
+              <a:t>17/01/18</a:t>
             </a:fld>
             <a:endParaRPr lang="en-US" dirty="0"/>
           </a:p>
@@ -1589,7 +1590,7 @@
           <a:p>
             <a:fld id="{C764DE79-268F-4C1A-8933-263129D2AF90}" type="datetimeFigureOut">
               <a:rPr lang="en-US" smtClean="0"/>
-              <a:t>13/01/18</a:t>
+              <a:t>17/01/18</a:t>
             </a:fld>
             <a:endParaRPr lang="en-US" dirty="0"/>
           </a:p>
@@ -1684,7 +1685,7 @@
           <a:p>
             <a:fld id="{C764DE79-268F-4C1A-8933-263129D2AF90}" type="datetimeFigureOut">
               <a:rPr lang="en-US" smtClean="0"/>
-              <a:t>13/01/18</a:t>
+              <a:t>17/01/18</a:t>
             </a:fld>
             <a:endParaRPr lang="en-US" dirty="0"/>
           </a:p>
@@ -1961,7 +1962,7 @@
           <a:p>
             <a:fld id="{C764DE79-268F-4C1A-8933-263129D2AF90}" type="datetimeFigureOut">
               <a:rPr lang="en-US" smtClean="0"/>
-              <a:t>13/01/18</a:t>
+              <a:t>17/01/18</a:t>
             </a:fld>
             <a:endParaRPr lang="en-US" dirty="0"/>
           </a:p>
@@ -2218,7 +2219,7 @@
           <a:p>
             <a:fld id="{C764DE79-268F-4C1A-8933-263129D2AF90}" type="datetimeFigureOut">
               <a:rPr lang="en-US" smtClean="0"/>
-              <a:t>13/01/18</a:t>
+              <a:t>17/01/18</a:t>
             </a:fld>
             <a:endParaRPr lang="en-US" dirty="0"/>
           </a:p>
@@ -2434,7 +2435,7 @@
           <a:p>
             <a:fld id="{C764DE79-268F-4C1A-8933-263129D2AF90}" type="datetimeFigureOut">
               <a:rPr lang="en-US" smtClean="0"/>
-              <a:t>13/01/18</a:t>
+              <a:t>17/01/18</a:t>
             </a:fld>
             <a:endParaRPr lang="en-US" dirty="0"/>
           </a:p>
@@ -3602,6 +3603,111 @@
 </p:sld>
 </file>
 
+<file path=ppt/slides/slide5.xml><?xml version="1.0" encoding="utf-8"?>
+<p:sld xmlns:a="http://schemas.openxmlformats.org/drawingml/2006/main" xmlns:r="http://schemas.openxmlformats.org/officeDocument/2006/relationships" xmlns:p="http://schemas.openxmlformats.org/presentationml/2006/main">
+  <p:cSld>
+    <p:spTree>
+      <p:nvGrpSpPr>
+        <p:cNvPr id="1" name=""/>
+        <p:cNvGrpSpPr/>
+        <p:nvPr/>
+      </p:nvGrpSpPr>
+      <p:grpSpPr>
+        <a:xfrm>
+          <a:off x="0" y="0"/>
+          <a:ext cx="0" cy="0"/>
+          <a:chOff x="0" y="0"/>
+          <a:chExt cx="0" cy="0"/>
+        </a:xfrm>
+      </p:grpSpPr>
+      <p:pic>
+        <p:nvPicPr>
+          <p:cNvPr id="2" name="Immagine 1" descr="iphone.silver.png"/>
+          <p:cNvPicPr>
+            <a:picLocks noChangeAspect="1"/>
+          </p:cNvPicPr>
+          <p:nvPr/>
+        </p:nvPicPr>
+        <p:blipFill>
+          <a:blip r:embed="rId2">
+            <a:extLst>
+              <a:ext uri="{28A0092B-C50C-407E-A947-70E740481C1C}">
+                <a14:useLocalDpi xmlns:a14="http://schemas.microsoft.com/office/drawing/2010/main" val="0"/>
+              </a:ext>
+            </a:extLst>
+          </a:blip>
+          <a:stretch>
+            <a:fillRect/>
+          </a:stretch>
+        </p:blipFill>
+        <p:spPr>
+          <a:xfrm>
+            <a:off x="0" y="0"/>
+            <a:ext cx="3423118" cy="6858000"/>
+          </a:xfrm>
+          <a:prstGeom prst="rect">
+            <a:avLst/>
+          </a:prstGeom>
+        </p:spPr>
+      </p:pic>
+      <p:pic>
+        <p:nvPicPr>
+          <p:cNvPr id="6" name="Immagine 5" descr="amministrazione.segnalazione.png"/>
+          <p:cNvPicPr>
+            <a:picLocks noChangeAspect="1"/>
+          </p:cNvPicPr>
+          <p:nvPr/>
+        </p:nvPicPr>
+        <p:blipFill>
+          <a:blip r:embed="rId3">
+            <a:extLst>
+              <a:ext uri="{28A0092B-C50C-407E-A947-70E740481C1C}">
+                <a14:useLocalDpi xmlns:a14="http://schemas.microsoft.com/office/drawing/2010/main" val="0"/>
+              </a:ext>
+            </a:extLst>
+          </a:blip>
+          <a:stretch>
+            <a:fillRect/>
+          </a:stretch>
+        </p:blipFill>
+        <p:spPr>
+          <a:xfrm>
+            <a:off x="306545" y="919691"/>
+            <a:ext cx="2791443" cy="5014511"/>
+          </a:xfrm>
+          <a:prstGeom prst="rect">
+            <a:avLst/>
+          </a:prstGeom>
+        </p:spPr>
+      </p:pic>
+    </p:spTree>
+    <p:extLst>
+      <p:ext uri="{BB962C8B-B14F-4D97-AF65-F5344CB8AC3E}">
+        <p14:creationId xmlns:p14="http://schemas.microsoft.com/office/powerpoint/2010/main" val="3567471896"/>
+      </p:ext>
+    </p:extLst>
+  </p:cSld>
+  <p:clrMapOvr>
+    <a:masterClrMapping/>
+  </p:clrMapOvr>
+  <mc:AlternateContent xmlns:mc="http://schemas.openxmlformats.org/markup-compatibility/2006" xmlns:p14="http://schemas.microsoft.com/office/powerpoint/2010/main">
+    <mc:Choice Requires="p14">
+      <p:transition p14:dur="0" advTm="3389"/>
+    </mc:Choice>
+    <mc:Fallback xmlns="">
+      <p:transition xmlns:p14="http://schemas.microsoft.com/office/powerpoint/2010/main" advTm="3389"/>
+    </mc:Fallback>
+  </mc:AlternateContent>
+  <p:timing>
+    <p:tnLst>
+      <p:par>
+        <p:cTn xmlns:p14="http://schemas.microsoft.com/office/powerpoint/2010/main" id="1" dur="indefinite" restart="never" nodeType="tmRoot"/>
+      </p:par>
+    </p:tnLst>
+  </p:timing>
+</p:sld>
+</file>
+
 <file path=ppt/theme/theme1.xml><?xml version="1.0" encoding="utf-8"?>
 <a:theme xmlns:a="http://schemas.openxmlformats.org/drawingml/2006/main" name="Office Theme">
   <a:themeElements>
@@ -3857,7 +3963,7 @@
   <a:extraClrSchemeLst/>
   <a:extLst>
     <a:ext uri="{05A4C25C-085E-4340-85A3-A5531E510DB2}">
-      <thm15:themeFamily xmlns:thm15="http://schemas.microsoft.com/office/thememl/2012/main" xmlns="" name="Office Theme" id="{62F939B6-93AF-4DB8-9C6B-D6C7DFDC589F}" vid="{AE6F2518-B084-4896-AF52-66CC2144AA26}"/>
+      <thm15:themeFamily xmlns="" xmlns:thm15="http://schemas.microsoft.com/office/thememl/2012/main" name="Office Theme" id="{62F939B6-93AF-4DB8-9C6B-D6C7DFDC589F}" vid="{AE6F2518-B084-4896-AF52-66CC2144AA26}"/>
     </a:ext>
   </a:extLst>
 </a:theme>

--- a/img/amministrazione/gif.frames.pptx
+++ b/img/amministrazione/gif.frames.pptx
@@ -10,6 +10,7 @@
     <p:sldId id="260" r:id="rId4"/>
     <p:sldId id="261" r:id="rId5"/>
     <p:sldId id="262" r:id="rId6"/>
+    <p:sldId id="263" r:id="rId7"/>
   </p:sldIdLst>
   <p:sldSz cx="12192000" cy="6858000"/>
   <p:notesSz cx="6858000" cy="9144000"/>
@@ -110,7 +111,7 @@
   </p:defaultTextStyle>
   <p:extLst>
     <p:ext uri="{EFAFB233-063F-42B5-8137-9DF3F51BA10A}">
-      <p15:sldGuideLst xmlns="" xmlns:p15="http://schemas.microsoft.com/office/powerpoint/2012/main"/>
+      <p15:sldGuideLst xmlns:p15="http://schemas.microsoft.com/office/powerpoint/2012/main" xmlns=""/>
     </p:ext>
   </p:extLst>
 </p:presentation>
@@ -3708,6 +3709,291 @@
 </p:sld>
 </file>
 
+<file path=ppt/slides/slide6.xml><?xml version="1.0" encoding="utf-8"?>
+<p:sld xmlns:a="http://schemas.openxmlformats.org/drawingml/2006/main" xmlns:r="http://schemas.openxmlformats.org/officeDocument/2006/relationships" xmlns:p="http://schemas.openxmlformats.org/presentationml/2006/main">
+  <p:cSld>
+    <p:spTree>
+      <p:nvGrpSpPr>
+        <p:cNvPr id="1" name=""/>
+        <p:cNvGrpSpPr/>
+        <p:nvPr/>
+      </p:nvGrpSpPr>
+      <p:grpSpPr>
+        <a:xfrm>
+          <a:off x="0" y="0"/>
+          <a:ext cx="0" cy="0"/>
+          <a:chOff x="0" y="0"/>
+          <a:chExt cx="0" cy="0"/>
+        </a:xfrm>
+      </p:grpSpPr>
+      <p:pic>
+        <p:nvPicPr>
+          <p:cNvPr id="4" name="Immagine 3" descr="iphone.silver.png"/>
+          <p:cNvPicPr>
+            <a:picLocks noChangeAspect="1"/>
+          </p:cNvPicPr>
+          <p:nvPr/>
+        </p:nvPicPr>
+        <p:blipFill>
+          <a:blip r:embed="rId2">
+            <a:extLst>
+              <a:ext uri="{28A0092B-C50C-407E-A947-70E740481C1C}">
+                <a14:useLocalDpi xmlns:a14="http://schemas.microsoft.com/office/drawing/2010/main" val="0"/>
+              </a:ext>
+            </a:extLst>
+          </a:blip>
+          <a:stretch>
+            <a:fillRect/>
+          </a:stretch>
+        </p:blipFill>
+        <p:spPr>
+          <a:xfrm>
+            <a:off x="602142" y="635026"/>
+            <a:ext cx="2202381" cy="4412331"/>
+          </a:xfrm>
+          <a:prstGeom prst="rect">
+            <a:avLst/>
+          </a:prstGeom>
+        </p:spPr>
+      </p:pic>
+      <p:pic>
+        <p:nvPicPr>
+          <p:cNvPr id="5" name="Immagine 4" descr="eventi.png"/>
+          <p:cNvPicPr>
+            <a:picLocks noChangeAspect="1"/>
+          </p:cNvPicPr>
+          <p:nvPr/>
+        </p:nvPicPr>
+        <p:blipFill>
+          <a:blip r:embed="rId3">
+            <a:extLst>
+              <a:ext uri="{28A0092B-C50C-407E-A947-70E740481C1C}">
+                <a14:useLocalDpi xmlns:a14="http://schemas.microsoft.com/office/drawing/2010/main" val="0"/>
+              </a:ext>
+            </a:extLst>
+          </a:blip>
+          <a:stretch>
+            <a:fillRect/>
+          </a:stretch>
+        </p:blipFill>
+        <p:spPr>
+          <a:xfrm>
+            <a:off x="809160" y="1226255"/>
+            <a:ext cx="1772804" cy="3153229"/>
+          </a:xfrm>
+          <a:prstGeom prst="rect">
+            <a:avLst/>
+          </a:prstGeom>
+        </p:spPr>
+      </p:pic>
+      <p:pic>
+        <p:nvPicPr>
+          <p:cNvPr id="7" name="Immagine 6" descr="iphone.silver.png"/>
+          <p:cNvPicPr>
+            <a:picLocks noChangeAspect="1"/>
+          </p:cNvPicPr>
+          <p:nvPr/>
+        </p:nvPicPr>
+        <p:blipFill>
+          <a:blip r:embed="rId2">
+            <a:extLst>
+              <a:ext uri="{28A0092B-C50C-407E-A947-70E740481C1C}">
+                <a14:useLocalDpi xmlns:a14="http://schemas.microsoft.com/office/drawing/2010/main" val="0"/>
+              </a:ext>
+            </a:extLst>
+          </a:blip>
+          <a:stretch>
+            <a:fillRect/>
+          </a:stretch>
+        </p:blipFill>
+        <p:spPr>
+          <a:xfrm>
+            <a:off x="2755420" y="635025"/>
+            <a:ext cx="2202382" cy="4412332"/>
+          </a:xfrm>
+          <a:prstGeom prst="rect">
+            <a:avLst/>
+          </a:prstGeom>
+        </p:spPr>
+      </p:pic>
+      <p:pic>
+        <p:nvPicPr>
+          <p:cNvPr id="8" name="Immagine 7" descr="Screen Shot 2017-10-18 at 19.35.54.png"/>
+          <p:cNvPicPr>
+            <a:picLocks noChangeAspect="1"/>
+          </p:cNvPicPr>
+          <p:nvPr/>
+        </p:nvPicPr>
+        <p:blipFill>
+          <a:blip r:embed="rId4">
+            <a:extLst>
+              <a:ext uri="{28A0092B-C50C-407E-A947-70E740481C1C}">
+                <a14:useLocalDpi xmlns:a14="http://schemas.microsoft.com/office/drawing/2010/main" val="0"/>
+              </a:ext>
+            </a:extLst>
+          </a:blip>
+          <a:stretch>
+            <a:fillRect/>
+          </a:stretch>
+        </p:blipFill>
+        <p:spPr>
+          <a:xfrm>
+            <a:off x="2962101" y="1226050"/>
+            <a:ext cx="1780175" cy="3197229"/>
+          </a:xfrm>
+          <a:prstGeom prst="rect">
+            <a:avLst/>
+          </a:prstGeom>
+        </p:spPr>
+      </p:pic>
+      <p:pic>
+        <p:nvPicPr>
+          <p:cNvPr id="9" name="Immagine 8" descr="iphone.silver.png"/>
+          <p:cNvPicPr>
+            <a:picLocks noChangeAspect="1"/>
+          </p:cNvPicPr>
+          <p:nvPr/>
+        </p:nvPicPr>
+        <p:blipFill>
+          <a:blip r:embed="rId2">
+            <a:extLst>
+              <a:ext uri="{28A0092B-C50C-407E-A947-70E740481C1C}">
+                <a14:useLocalDpi xmlns:a14="http://schemas.microsoft.com/office/drawing/2010/main" val="0"/>
+              </a:ext>
+            </a:extLst>
+          </a:blip>
+          <a:stretch>
+            <a:fillRect/>
+          </a:stretch>
+        </p:blipFill>
+        <p:spPr>
+          <a:xfrm>
+            <a:off x="4926613" y="645973"/>
+            <a:ext cx="2196917" cy="4401383"/>
+          </a:xfrm>
+          <a:prstGeom prst="rect">
+            <a:avLst/>
+          </a:prstGeom>
+        </p:spPr>
+      </p:pic>
+      <p:pic>
+        <p:nvPicPr>
+          <p:cNvPr id="10" name="Immagine 9" descr="differenziata.plastica.png"/>
+          <p:cNvPicPr>
+            <a:picLocks noChangeAspect="1"/>
+          </p:cNvPicPr>
+          <p:nvPr/>
+        </p:nvPicPr>
+        <p:blipFill>
+          <a:blip r:embed="rId5">
+            <a:extLst>
+              <a:ext uri="{28A0092B-C50C-407E-A947-70E740481C1C}">
+                <a14:useLocalDpi xmlns:a14="http://schemas.microsoft.com/office/drawing/2010/main" val="0"/>
+              </a:ext>
+            </a:extLst>
+          </a:blip>
+          <a:stretch>
+            <a:fillRect/>
+          </a:stretch>
+        </p:blipFill>
+        <p:spPr>
+          <a:xfrm>
+            <a:off x="5141076" y="1237203"/>
+            <a:ext cx="1778215" cy="3197026"/>
+          </a:xfrm>
+          <a:prstGeom prst="rect">
+            <a:avLst/>
+          </a:prstGeom>
+        </p:spPr>
+      </p:pic>
+      <p:pic>
+        <p:nvPicPr>
+          <p:cNvPr id="11" name="Immagine 10" descr="iphone.silver.png"/>
+          <p:cNvPicPr>
+            <a:picLocks noChangeAspect="1"/>
+          </p:cNvPicPr>
+          <p:nvPr/>
+        </p:nvPicPr>
+        <p:blipFill>
+          <a:blip r:embed="rId2">
+            <a:extLst>
+              <a:ext uri="{28A0092B-C50C-407E-A947-70E740481C1C}">
+                <a14:useLocalDpi xmlns:a14="http://schemas.microsoft.com/office/drawing/2010/main" val="0"/>
+              </a:ext>
+            </a:extLst>
+          </a:blip>
+          <a:stretch>
+            <a:fillRect/>
+          </a:stretch>
+        </p:blipFill>
+        <p:spPr>
+          <a:xfrm>
+            <a:off x="7079892" y="645973"/>
+            <a:ext cx="2196917" cy="4401383"/>
+          </a:xfrm>
+          <a:prstGeom prst="rect">
+            <a:avLst/>
+          </a:prstGeom>
+        </p:spPr>
+      </p:pic>
+      <p:pic>
+        <p:nvPicPr>
+          <p:cNvPr id="12" name="Immagine 11" descr="raccolta.guida.png"/>
+          <p:cNvPicPr>
+            <a:picLocks noChangeAspect="1"/>
+          </p:cNvPicPr>
+          <p:nvPr/>
+        </p:nvPicPr>
+        <p:blipFill>
+          <a:blip r:embed="rId6">
+            <a:extLst>
+              <a:ext uri="{28A0092B-C50C-407E-A947-70E740481C1C}">
+                <a14:useLocalDpi xmlns:a14="http://schemas.microsoft.com/office/drawing/2010/main" val="0"/>
+              </a:ext>
+            </a:extLst>
+          </a:blip>
+          <a:stretch>
+            <a:fillRect/>
+          </a:stretch>
+        </p:blipFill>
+        <p:spPr>
+          <a:xfrm>
+            <a:off x="7279446" y="1237205"/>
+            <a:ext cx="1773672" cy="3197024"/>
+          </a:xfrm>
+          <a:prstGeom prst="rect">
+            <a:avLst/>
+          </a:prstGeom>
+        </p:spPr>
+      </p:pic>
+    </p:spTree>
+    <p:extLst>
+      <p:ext uri="{BB962C8B-B14F-4D97-AF65-F5344CB8AC3E}">
+        <p14:creationId xmlns:p14="http://schemas.microsoft.com/office/powerpoint/2010/main" val="1753084287"/>
+      </p:ext>
+    </p:extLst>
+  </p:cSld>
+  <p:clrMapOvr>
+    <a:masterClrMapping/>
+  </p:clrMapOvr>
+  <mc:AlternateContent xmlns:mc="http://schemas.openxmlformats.org/markup-compatibility/2006" xmlns:p14="http://schemas.microsoft.com/office/powerpoint/2010/main">
+    <mc:Choice Requires="p14">
+      <p:transition p14:dur="0" advTm="3389"/>
+    </mc:Choice>
+    <mc:Fallback xmlns="">
+      <p:transition xmlns:p14="http://schemas.microsoft.com/office/powerpoint/2010/main" advTm="3389"/>
+    </mc:Fallback>
+  </mc:AlternateContent>
+  <p:timing>
+    <p:tnLst>
+      <p:par>
+        <p:cTn xmlns:p14="http://schemas.microsoft.com/office/powerpoint/2010/main" id="1" dur="indefinite" restart="never" nodeType="tmRoot"/>
+      </p:par>
+    </p:tnLst>
+  </p:timing>
+</p:sld>
+</file>
+
 <file path=ppt/theme/theme1.xml><?xml version="1.0" encoding="utf-8"?>
 <a:theme xmlns:a="http://schemas.openxmlformats.org/drawingml/2006/main" name="Office Theme">
   <a:themeElements>
@@ -3963,7 +4249,7 @@
   <a:extraClrSchemeLst/>
   <a:extLst>
     <a:ext uri="{05A4C25C-085E-4340-85A3-A5531E510DB2}">
-      <thm15:themeFamily xmlns="" xmlns:thm15="http://schemas.microsoft.com/office/thememl/2012/main" name="Office Theme" id="{62F939B6-93AF-4DB8-9C6B-D6C7DFDC589F}" vid="{AE6F2518-B084-4896-AF52-66CC2144AA26}"/>
+      <thm15:themeFamily xmlns:thm15="http://schemas.microsoft.com/office/thememl/2012/main" xmlns="" name="Office Theme" id="{62F939B6-93AF-4DB8-9C6B-D6C7DFDC589F}" vid="{AE6F2518-B084-4896-AF52-66CC2144AA26}"/>
     </a:ext>
   </a:extLst>
 </a:theme>

--- a/img/amministrazione/gif.frames.pptx
+++ b/img/amministrazione/gif.frames.pptx
@@ -111,7 +111,7 @@
   </p:defaultTextStyle>
   <p:extLst>
     <p:ext uri="{EFAFB233-063F-42B5-8137-9DF3F51BA10A}">
-      <p15:sldGuideLst xmlns:p15="http://schemas.microsoft.com/office/powerpoint/2012/main" xmlns=""/>
+      <p15:sldGuideLst xmlns="" xmlns:p15="http://schemas.microsoft.com/office/powerpoint/2012/main"/>
     </p:ext>
   </p:extLst>
 </p:presentation>
@@ -248,7 +248,7 @@
           <a:p>
             <a:fld id="{C764DE79-268F-4C1A-8933-263129D2AF90}" type="datetimeFigureOut">
               <a:rPr lang="en-US" smtClean="0"/>
-              <a:t>17/01/18</a:t>
+              <a:t>01/03/18</a:t>
             </a:fld>
             <a:endParaRPr lang="en-US" dirty="0"/>
           </a:p>
@@ -418,7 +418,7 @@
           <a:p>
             <a:fld id="{C764DE79-268F-4C1A-8933-263129D2AF90}" type="datetimeFigureOut">
               <a:rPr lang="en-US" smtClean="0"/>
-              <a:t>17/01/18</a:t>
+              <a:t>01/03/18</a:t>
             </a:fld>
             <a:endParaRPr lang="en-US" dirty="0"/>
           </a:p>
@@ -598,7 +598,7 @@
           <a:p>
             <a:fld id="{C764DE79-268F-4C1A-8933-263129D2AF90}" type="datetimeFigureOut">
               <a:rPr lang="en-US" smtClean="0"/>
-              <a:t>17/01/18</a:t>
+              <a:t>01/03/18</a:t>
             </a:fld>
             <a:endParaRPr lang="en-US" dirty="0"/>
           </a:p>
@@ -874,7 +874,7 @@
           <a:p>
             <a:fld id="{C764DE79-268F-4C1A-8933-263129D2AF90}" type="datetimeFigureOut">
               <a:rPr lang="en-US" smtClean="0"/>
-              <a:t>17/01/18</a:t>
+              <a:t>01/03/18</a:t>
             </a:fld>
             <a:endParaRPr lang="en-US" dirty="0"/>
           </a:p>
@@ -1106,7 +1106,7 @@
           <a:p>
             <a:fld id="{C764DE79-268F-4C1A-8933-263129D2AF90}" type="datetimeFigureOut">
               <a:rPr lang="en-US" smtClean="0"/>
-              <a:t>17/01/18</a:t>
+              <a:t>01/03/18</a:t>
             </a:fld>
             <a:endParaRPr lang="en-US" dirty="0"/>
           </a:p>
@@ -1473,7 +1473,7 @@
           <a:p>
             <a:fld id="{C764DE79-268F-4C1A-8933-263129D2AF90}" type="datetimeFigureOut">
               <a:rPr lang="en-US" smtClean="0"/>
-              <a:t>17/01/18</a:t>
+              <a:t>01/03/18</a:t>
             </a:fld>
             <a:endParaRPr lang="en-US" dirty="0"/>
           </a:p>
@@ -1591,7 +1591,7 @@
           <a:p>
             <a:fld id="{C764DE79-268F-4C1A-8933-263129D2AF90}" type="datetimeFigureOut">
               <a:rPr lang="en-US" smtClean="0"/>
-              <a:t>17/01/18</a:t>
+              <a:t>01/03/18</a:t>
             </a:fld>
             <a:endParaRPr lang="en-US" dirty="0"/>
           </a:p>
@@ -1686,7 +1686,7 @@
           <a:p>
             <a:fld id="{C764DE79-268F-4C1A-8933-263129D2AF90}" type="datetimeFigureOut">
               <a:rPr lang="en-US" smtClean="0"/>
-              <a:t>17/01/18</a:t>
+              <a:t>01/03/18</a:t>
             </a:fld>
             <a:endParaRPr lang="en-US" dirty="0"/>
           </a:p>
@@ -1963,7 +1963,7 @@
           <a:p>
             <a:fld id="{C764DE79-268F-4C1A-8933-263129D2AF90}" type="datetimeFigureOut">
               <a:rPr lang="en-US" smtClean="0"/>
-              <a:t>17/01/18</a:t>
+              <a:t>01/03/18</a:t>
             </a:fld>
             <a:endParaRPr lang="en-US" dirty="0"/>
           </a:p>
@@ -2220,7 +2220,7 @@
           <a:p>
             <a:fld id="{C764DE79-268F-4C1A-8933-263129D2AF90}" type="datetimeFigureOut">
               <a:rPr lang="en-US" smtClean="0"/>
-              <a:t>17/01/18</a:t>
+              <a:t>01/03/18</a:t>
             </a:fld>
             <a:endParaRPr lang="en-US" dirty="0"/>
           </a:p>
@@ -2436,7 +2436,7 @@
           <a:p>
             <a:fld id="{C764DE79-268F-4C1A-8933-263129D2AF90}" type="datetimeFigureOut">
               <a:rPr lang="en-US" smtClean="0"/>
-              <a:t>17/01/18</a:t>
+              <a:t>01/03/18</a:t>
             </a:fld>
             <a:endParaRPr lang="en-US" dirty="0"/>
           </a:p>
@@ -3681,6 +3681,66 @@
           </a:prstGeom>
         </p:spPr>
       </p:pic>
+      <p:pic>
+        <p:nvPicPr>
+          <p:cNvPr id="4" name="Immagine 3" descr="iphone.silver.png"/>
+          <p:cNvPicPr>
+            <a:picLocks noChangeAspect="1"/>
+          </p:cNvPicPr>
+          <p:nvPr/>
+        </p:nvPicPr>
+        <p:blipFill>
+          <a:blip r:embed="rId2">
+            <a:extLst>
+              <a:ext uri="{28A0092B-C50C-407E-A947-70E740481C1C}">
+                <a14:useLocalDpi xmlns:a14="http://schemas.microsoft.com/office/drawing/2010/main" val="0"/>
+              </a:ext>
+            </a:extLst>
+          </a:blip>
+          <a:stretch>
+            <a:fillRect/>
+          </a:stretch>
+        </p:blipFill>
+        <p:spPr>
+          <a:xfrm>
+            <a:off x="3874731" y="0"/>
+            <a:ext cx="3423118" cy="6858000"/>
+          </a:xfrm>
+          <a:prstGeom prst="rect">
+            <a:avLst/>
+          </a:prstGeom>
+        </p:spPr>
+      </p:pic>
+      <p:pic>
+        <p:nvPicPr>
+          <p:cNvPr id="3" name="Immagine 2" descr="amministrazione.elezioni2018.jpg"/>
+          <p:cNvPicPr>
+            <a:picLocks noChangeAspect="1"/>
+          </p:cNvPicPr>
+          <p:nvPr/>
+        </p:nvPicPr>
+        <p:blipFill>
+          <a:blip r:embed="rId4">
+            <a:extLst>
+              <a:ext uri="{28A0092B-C50C-407E-A947-70E740481C1C}">
+                <a14:useLocalDpi xmlns:a14="http://schemas.microsoft.com/office/drawing/2010/main" val="0"/>
+              </a:ext>
+            </a:extLst>
+          </a:blip>
+          <a:stretch>
+            <a:fillRect/>
+          </a:stretch>
+        </p:blipFill>
+        <p:spPr>
+          <a:xfrm>
+            <a:off x="4173338" y="908743"/>
+            <a:ext cx="2832067" cy="5025459"/>
+          </a:xfrm>
+          <a:prstGeom prst="rect">
+            <a:avLst/>
+          </a:prstGeom>
+        </p:spPr>
+      </p:pic>
     </p:spTree>
     <p:extLst>
       <p:ext uri="{BB962C8B-B14F-4D97-AF65-F5344CB8AC3E}">
@@ -4249,7 +4309,7 @@
   <a:extraClrSchemeLst/>
   <a:extLst>
     <a:ext uri="{05A4C25C-085E-4340-85A3-A5531E510DB2}">
-      <thm15:themeFamily xmlns:thm15="http://schemas.microsoft.com/office/thememl/2012/main" xmlns="" name="Office Theme" id="{62F939B6-93AF-4DB8-9C6B-D6C7DFDC589F}" vid="{AE6F2518-B084-4896-AF52-66CC2144AA26}"/>
+      <thm15:themeFamily xmlns="" xmlns:thm15="http://schemas.microsoft.com/office/thememl/2012/main" name="Office Theme" id="{62F939B6-93AF-4DB8-9C6B-D6C7DFDC589F}" vid="{AE6F2518-B084-4896-AF52-66CC2144AA26}"/>
     </a:ext>
   </a:extLst>
 </a:theme>
